--- a/Muhammad Farhan (PHP).pptx
+++ b/Muhammad Farhan (PHP).pptx
@@ -331,7 +331,7 @@
             <a:fld id="{B61BEF0D-F0BB-DE4B-95CE-6DB70DBA9567}" type="datetimeFigureOut">
               <a:rPr lang="en-US" dirty="0"/>
               <a:pPr/>
-              <a:t>11/5/2023</a:t>
+              <a:t>12/13/2023</a:t>
             </a:fld>
             <a:endParaRPr lang="en-US" dirty="0"/>
           </a:p>
@@ -666,7 +666,7 @@
             <a:fld id="{B61BEF0D-F0BB-DE4B-95CE-6DB70DBA9567}" type="datetimeFigureOut">
               <a:rPr lang="en-US" dirty="0"/>
               <a:pPr/>
-              <a:t>11/5/2023</a:t>
+              <a:t>12/13/2023</a:t>
             </a:fld>
             <a:endParaRPr lang="en-US" dirty="0"/>
           </a:p>
@@ -1064,7 +1064,7 @@
             <a:fld id="{B61BEF0D-F0BB-DE4B-95CE-6DB70DBA9567}" type="datetimeFigureOut">
               <a:rPr lang="en-US" dirty="0"/>
               <a:pPr/>
-              <a:t>11/5/2023</a:t>
+              <a:t>12/13/2023</a:t>
             </a:fld>
             <a:endParaRPr lang="en-US" dirty="0"/>
           </a:p>
@@ -1397,7 +1397,7 @@
             <a:fld id="{B61BEF0D-F0BB-DE4B-95CE-6DB70DBA9567}" type="datetimeFigureOut">
               <a:rPr lang="en-US" dirty="0"/>
               <a:pPr/>
-              <a:t>11/5/2023</a:t>
+              <a:t>12/13/2023</a:t>
             </a:fld>
             <a:endParaRPr lang="en-US" dirty="0"/>
           </a:p>
@@ -1714,7 +1714,7 @@
             <a:fld id="{B61BEF0D-F0BB-DE4B-95CE-6DB70DBA9567}" type="datetimeFigureOut">
               <a:rPr lang="en-US" dirty="0"/>
               <a:pPr/>
-              <a:t>11/5/2023</a:t>
+              <a:t>12/13/2023</a:t>
             </a:fld>
             <a:endParaRPr lang="en-US" dirty="0"/>
           </a:p>
@@ -2107,7 +2107,7 @@
             <a:fld id="{B61BEF0D-F0BB-DE4B-95CE-6DB70DBA9567}" type="datetimeFigureOut">
               <a:rPr lang="en-US" dirty="0"/>
               <a:pPr/>
-              <a:t>11/5/2023</a:t>
+              <a:t>12/13/2023</a:t>
             </a:fld>
             <a:endParaRPr lang="en-US" dirty="0"/>
           </a:p>
@@ -2361,7 +2361,7 @@
             <a:fld id="{B61BEF0D-F0BB-DE4B-95CE-6DB70DBA9567}" type="datetimeFigureOut">
               <a:rPr lang="en-US" dirty="0"/>
               <a:pPr/>
-              <a:t>11/5/2023</a:t>
+              <a:t>12/13/2023</a:t>
             </a:fld>
             <a:endParaRPr lang="en-US" dirty="0"/>
           </a:p>
@@ -2620,7 +2620,7 @@
             <a:fld id="{B61BEF0D-F0BB-DE4B-95CE-6DB70DBA9567}" type="datetimeFigureOut">
               <a:rPr lang="en-US" dirty="0"/>
               <a:pPr/>
-              <a:t>11/5/2023</a:t>
+              <a:t>12/13/2023</a:t>
             </a:fld>
             <a:endParaRPr lang="en-US" dirty="0"/>
           </a:p>
@@ -2879,7 +2879,7 @@
             <a:fld id="{B61BEF0D-F0BB-DE4B-95CE-6DB70DBA9567}" type="datetimeFigureOut">
               <a:rPr lang="en-US" dirty="0"/>
               <a:pPr/>
-              <a:t>11/5/2023</a:t>
+              <a:t>12/13/2023</a:t>
             </a:fld>
             <a:endParaRPr lang="en-US" dirty="0"/>
           </a:p>
@@ -3205,7 +3205,7 @@
             <a:fld id="{B61BEF0D-F0BB-DE4B-95CE-6DB70DBA9567}" type="datetimeFigureOut">
               <a:rPr lang="en-US" dirty="0"/>
               <a:pPr/>
-              <a:t>11/5/2023</a:t>
+              <a:t>12/13/2023</a:t>
             </a:fld>
             <a:endParaRPr lang="en-US" dirty="0"/>
           </a:p>
@@ -3525,7 +3525,7 @@
             <a:fld id="{B61BEF0D-F0BB-DE4B-95CE-6DB70DBA9567}" type="datetimeFigureOut">
               <a:rPr lang="en-US" dirty="0"/>
               <a:pPr/>
-              <a:t>11/5/2023</a:t>
+              <a:t>12/13/2023</a:t>
             </a:fld>
             <a:endParaRPr lang="en-US" dirty="0"/>
           </a:p>
@@ -3979,7 +3979,7 @@
             <a:fld id="{B61BEF0D-F0BB-DE4B-95CE-6DB70DBA9567}" type="datetimeFigureOut">
               <a:rPr lang="en-US" dirty="0"/>
               <a:pPr/>
-              <a:t>11/5/2023</a:t>
+              <a:t>12/13/2023</a:t>
             </a:fld>
             <a:endParaRPr lang="en-US" dirty="0"/>
           </a:p>
@@ -4181,7 +4181,7 @@
             <a:fld id="{B61BEF0D-F0BB-DE4B-95CE-6DB70DBA9567}" type="datetimeFigureOut">
               <a:rPr lang="en-US" dirty="0"/>
               <a:pPr/>
-              <a:t>11/5/2023</a:t>
+              <a:t>12/13/2023</a:t>
             </a:fld>
             <a:endParaRPr lang="en-US" dirty="0"/>
           </a:p>
@@ -4355,7 +4355,7 @@
             <a:fld id="{B61BEF0D-F0BB-DE4B-95CE-6DB70DBA9567}" type="datetimeFigureOut">
               <a:rPr lang="en-US" dirty="0"/>
               <a:pPr/>
-              <a:t>11/5/2023</a:t>
+              <a:t>12/13/2023</a:t>
             </a:fld>
             <a:endParaRPr lang="en-US" dirty="0"/>
           </a:p>
@@ -4685,7 +4685,7 @@
             <a:fld id="{B61BEF0D-F0BB-DE4B-95CE-6DB70DBA9567}" type="datetimeFigureOut">
               <a:rPr lang="en-US" dirty="0"/>
               <a:pPr/>
-              <a:t>11/5/2023</a:t>
+              <a:t>12/13/2023</a:t>
             </a:fld>
             <a:endParaRPr lang="en-US" dirty="0"/>
           </a:p>
@@ -5027,7 +5027,7 @@
             <a:fld id="{B61BEF0D-F0BB-DE4B-95CE-6DB70DBA9567}" type="datetimeFigureOut">
               <a:rPr lang="en-US" dirty="0"/>
               <a:pPr/>
-              <a:t>11/5/2023</a:t>
+              <a:t>12/13/2023</a:t>
             </a:fld>
             <a:endParaRPr lang="en-US" dirty="0"/>
           </a:p>
@@ -7141,7 +7141,7 @@
             <a:fld id="{B61BEF0D-F0BB-DE4B-95CE-6DB70DBA9567}" type="datetimeFigureOut">
               <a:rPr lang="en-US" dirty="0"/>
               <a:pPr/>
-              <a:t>11/5/2023</a:t>
+              <a:t>12/13/2023</a:t>
             </a:fld>
             <a:endParaRPr lang="en-US" dirty="0"/>
           </a:p>
@@ -10713,6 +10713,17 @@
               <a:t>$_FILES</a:t>
             </a:r>
           </a:p>
+          <a:p>
+            <a:pPr lvl="1">
+              <a:lnSpc>
+                <a:spcPct val="150000"/>
+              </a:lnSpc>
+            </a:pPr>
+            <a:r>
+              <a:rPr lang="en-US" dirty="0"/>
+              <a:t>$GLOBALS[];</a:t>
+            </a:r>
+          </a:p>
         </p:txBody>
       </p:sp>
     </p:spTree>
